--- a/Presentation.pptx
+++ b/Presentation.pptx
@@ -771,7 +771,7 @@
             <a:fld id="{7A847CFC-816F-41D0-AAC0-9BF4FEBC753E}" type="datetimeFigureOut">
               <a:rPr lang="es-ES" smtClean="0"/>
               <a:pPr/>
-              <a:t>25/09/2020</a:t>
+              <a:t>28/09/2020</a:t>
             </a:fld>
             <a:endParaRPr lang="es-ES"/>
           </a:p>
@@ -956,7 +956,7 @@
             <a:fld id="{7A847CFC-816F-41D0-AAC0-9BF4FEBC753E}" type="datetimeFigureOut">
               <a:rPr lang="es-ES" smtClean="0"/>
               <a:pPr/>
-              <a:t>25/09/2020</a:t>
+              <a:t>28/09/2020</a:t>
             </a:fld>
             <a:endParaRPr lang="es-ES"/>
           </a:p>
@@ -1133,7 +1133,7 @@
             <a:fld id="{7A847CFC-816F-41D0-AAC0-9BF4FEBC753E}" type="datetimeFigureOut">
               <a:rPr lang="es-ES" smtClean="0"/>
               <a:pPr/>
-              <a:t>25/09/2020</a:t>
+              <a:t>28/09/2020</a:t>
             </a:fld>
             <a:endParaRPr lang="es-ES"/>
           </a:p>
@@ -1300,7 +1300,7 @@
             <a:fld id="{7A847CFC-816F-41D0-AAC0-9BF4FEBC753E}" type="datetimeFigureOut">
               <a:rPr lang="es-ES" smtClean="0"/>
               <a:pPr/>
-              <a:t>25/09/2020</a:t>
+              <a:t>28/09/2020</a:t>
             </a:fld>
             <a:endParaRPr lang="es-ES"/>
           </a:p>
@@ -1523,7 +1523,7 @@
             <a:fld id="{7A847CFC-816F-41D0-AAC0-9BF4FEBC753E}" type="datetimeFigureOut">
               <a:rPr lang="es-ES" smtClean="0"/>
               <a:pPr/>
-              <a:t>25/09/2020</a:t>
+              <a:t>28/09/2020</a:t>
             </a:fld>
             <a:endParaRPr lang="es-ES"/>
           </a:p>
@@ -1784,7 +1784,7 @@
             <a:fld id="{7A847CFC-816F-41D0-AAC0-9BF4FEBC753E}" type="datetimeFigureOut">
               <a:rPr lang="es-ES" smtClean="0"/>
               <a:pPr/>
-              <a:t>25/09/2020</a:t>
+              <a:t>28/09/2020</a:t>
             </a:fld>
             <a:endParaRPr lang="es-ES"/>
           </a:p>
@@ -2190,7 +2190,7 @@
             <a:fld id="{7A847CFC-816F-41D0-AAC0-9BF4FEBC753E}" type="datetimeFigureOut">
               <a:rPr lang="es-ES" smtClean="0"/>
               <a:pPr/>
-              <a:t>25/09/2020</a:t>
+              <a:t>28/09/2020</a:t>
             </a:fld>
             <a:endParaRPr lang="es-ES"/>
           </a:p>
@@ -2323,7 +2323,7 @@
             <a:fld id="{7A847CFC-816F-41D0-AAC0-9BF4FEBC753E}" type="datetimeFigureOut">
               <a:rPr lang="es-ES" smtClean="0"/>
               <a:pPr/>
-              <a:t>25/09/2020</a:t>
+              <a:t>28/09/2020</a:t>
             </a:fld>
             <a:endParaRPr lang="es-ES"/>
           </a:p>
@@ -2425,7 +2425,7 @@
             <a:fld id="{7A847CFC-816F-41D0-AAC0-9BF4FEBC753E}" type="datetimeFigureOut">
               <a:rPr lang="es-ES" smtClean="0"/>
               <a:pPr/>
-              <a:t>25/09/2020</a:t>
+              <a:t>28/09/2020</a:t>
             </a:fld>
             <a:endParaRPr lang="es-ES"/>
           </a:p>
@@ -2672,7 +2672,7 @@
             <a:fld id="{7A847CFC-816F-41D0-AAC0-9BF4FEBC753E}" type="datetimeFigureOut">
               <a:rPr lang="es-ES" smtClean="0"/>
               <a:pPr/>
-              <a:t>25/09/2020</a:t>
+              <a:t>28/09/2020</a:t>
             </a:fld>
             <a:endParaRPr lang="es-ES"/>
           </a:p>
@@ -2918,7 +2918,7 @@
             <a:fld id="{7A847CFC-816F-41D0-AAC0-9BF4FEBC753E}" type="datetimeFigureOut">
               <a:rPr lang="es-ES" smtClean="0"/>
               <a:pPr/>
-              <a:t>25/09/2020</a:t>
+              <a:t>28/09/2020</a:t>
             </a:fld>
             <a:endParaRPr lang="es-ES"/>
           </a:p>
@@ -3744,7 +3744,7 @@
             <a:fld id="{7A847CFC-816F-41D0-AAC0-9BF4FEBC753E}" type="datetimeFigureOut">
               <a:rPr lang="es-ES" smtClean="0"/>
               <a:pPr/>
-              <a:t>25/09/2020</a:t>
+              <a:t>28/09/2020</a:t>
             </a:fld>
             <a:endParaRPr lang="es-ES"/>
           </a:p>
@@ -4135,6 +4135,45 @@
           <a:chExt cx="0" cy="0"/>
         </a:xfrm>
       </p:grpSpPr>
+      <p:pic>
+        <p:nvPicPr>
+          <p:cNvPr id="2050" name="Picture 2" descr="D:\Aoshin25\Downloads\car-accident.jpg"/>
+          <p:cNvPicPr>
+            <a:picLocks noChangeAspect="1" noChangeArrowheads="1"/>
+          </p:cNvPicPr>
+          <p:nvPr/>
+        </p:nvPicPr>
+        <p:blipFill>
+          <a:blip r:embed="rId2"/>
+          <a:srcRect/>
+          <a:stretch>
+            <a:fillRect/>
+          </a:stretch>
+        </p:blipFill>
+        <p:spPr bwMode="auto">
+          <a:xfrm>
+            <a:off x="524848" y="-24"/>
+            <a:ext cx="8119118" cy="3604409"/>
+          </a:xfrm>
+          <a:prstGeom prst="rect">
+            <a:avLst/>
+          </a:prstGeom>
+        </p:spPr>
+        <p:style>
+          <a:lnRef idx="1">
+            <a:schemeClr val="accent2"/>
+          </a:lnRef>
+          <a:fillRef idx="2">
+            <a:schemeClr val="accent2"/>
+          </a:fillRef>
+          <a:effectRef idx="1">
+            <a:schemeClr val="accent2"/>
+          </a:effectRef>
+          <a:fontRef idx="minor">
+            <a:schemeClr val="dk1"/>
+          </a:fontRef>
+        </p:style>
+      </p:pic>
       <p:sp>
         <p:nvSpPr>
           <p:cNvPr id="2" name="1 Título"/>
@@ -4146,11 +4185,27 @@
           </p:nvPr>
         </p:nvSpPr>
         <p:spPr>
-          <a:xfrm rot="21310445">
-            <a:off x="261125" y="1424729"/>
-            <a:ext cx="8458200" cy="1470025"/>
-          </a:xfrm>
-        </p:spPr>
+          <a:xfrm>
+            <a:off x="-7144" y="2714620"/>
+            <a:ext cx="9177558" cy="907315"/>
+          </a:xfrm>
+        </p:spPr>
+        <p:style>
+          <a:lnRef idx="2">
+            <a:schemeClr val="accent2">
+              <a:shade val="50000"/>
+            </a:schemeClr>
+          </a:lnRef>
+          <a:fillRef idx="1">
+            <a:schemeClr val="accent2"/>
+          </a:fillRef>
+          <a:effectRef idx="0">
+            <a:schemeClr val="accent2"/>
+          </a:effectRef>
+          <a:fontRef idx="minor">
+            <a:schemeClr val="lt1"/>
+          </a:fontRef>
+        </p:style>
         <p:txBody>
           <a:bodyPr>
             <a:normAutofit/>
@@ -4159,18 +4214,24 @@
           <a:p>
             <a:pPr algn="ctr"/>
             <a:r>
-              <a:rPr lang="en-US" sz="4800" dirty="0" smtClean="0"/>
-              <a:t>Car Accidents </a:t>
-            </a:r>
-            <a:r>
-              <a:rPr lang="en-US" sz="4800" dirty="0" smtClean="0"/>
-              <a:t>S</a:t>
-            </a:r>
-            <a:r>
-              <a:rPr lang="en-US" sz="4800" dirty="0" smtClean="0"/>
-              <a:t>everity</a:t>
-            </a:r>
-            <a:endParaRPr lang="es-CR" sz="4800" dirty="0"/>
+              <a:rPr lang="en-US" sz="4800" dirty="0" smtClean="0">
+                <a:solidFill>
+                  <a:schemeClr val="accent2">
+                    <a:lumMod val="20000"/>
+                    <a:lumOff val="80000"/>
+                  </a:schemeClr>
+                </a:solidFill>
+              </a:rPr>
+              <a:t>Car Accidents Severity</a:t>
+            </a:r>
+            <a:endParaRPr lang="es-CR" sz="4800" dirty="0">
+              <a:solidFill>
+                <a:schemeClr val="accent2">
+                  <a:lumMod val="20000"/>
+                  <a:lumOff val="80000"/>
+                </a:schemeClr>
+              </a:solidFill>
+            </a:endParaRPr>
           </a:p>
         </p:txBody>
       </p:sp>
@@ -4280,7 +4341,46 @@
           <a:bodyPr/>
           <a:lstStyle/>
           <a:p>
-            <a:endParaRPr lang="es-CR"/>
+            <a:endParaRPr lang="en-US" dirty="0" smtClean="0"/>
+          </a:p>
+          <a:p>
+            <a:r>
+              <a:rPr lang="en-US" dirty="0" smtClean="0"/>
+              <a:t>Can </a:t>
+            </a:r>
+            <a:r>
+              <a:rPr lang="en-US" dirty="0" smtClean="0"/>
+              <a:t>we predict the outcome of a transit accident before it happen? </a:t>
+            </a:r>
+            <a:endParaRPr lang="en-US" dirty="0" smtClean="0"/>
+          </a:p>
+          <a:p>
+            <a:endParaRPr lang="en-US" dirty="0" smtClean="0"/>
+          </a:p>
+          <a:p>
+            <a:r>
+              <a:rPr lang="en-US" dirty="0" smtClean="0"/>
+              <a:t>How </a:t>
+            </a:r>
+            <a:r>
+              <a:rPr lang="en-US" dirty="0" smtClean="0"/>
+              <a:t>severe would be? </a:t>
+            </a:r>
+            <a:endParaRPr lang="en-US" dirty="0" smtClean="0"/>
+          </a:p>
+          <a:p>
+            <a:endParaRPr lang="en-US" dirty="0" smtClean="0"/>
+          </a:p>
+          <a:p>
+            <a:r>
+              <a:rPr lang="en-US" dirty="0" smtClean="0"/>
+              <a:t>It's </a:t>
+            </a:r>
+            <a:r>
+              <a:rPr lang="en-US" dirty="0" smtClean="0"/>
+              <a:t>a job for a prophet? </a:t>
+            </a:r>
+            <a:endParaRPr lang="es-CR" dirty="0"/>
           </a:p>
         </p:txBody>
       </p:sp>
@@ -4319,7 +4419,12 @@
             <p:ph type="title"/>
           </p:nvPr>
         </p:nvSpPr>
-        <p:spPr/>
+        <p:spPr>
+          <a:xfrm>
+            <a:off x="285720" y="928670"/>
+            <a:ext cx="8229600" cy="1066800"/>
+          </a:xfrm>
+        </p:spPr>
         <p:txBody>
           <a:bodyPr/>
           <a:lstStyle/>
@@ -4332,22 +4437,111 @@
           </a:p>
         </p:txBody>
       </p:sp>
-      <p:sp>
-        <p:nvSpPr>
-          <p:cNvPr id="3" name="2 Marcador de contenido"/>
-          <p:cNvSpPr>
-            <a:spLocks noGrp="1"/>
-          </p:cNvSpPr>
-          <p:nvPr>
-            <p:ph idx="1"/>
-          </p:nvPr>
-        </p:nvSpPr>
-        <p:spPr/>
-        <p:txBody>
-          <a:bodyPr/>
-          <a:lstStyle/>
-          <a:p>
-            <a:endParaRPr lang="es-CR"/>
+      <p:pic>
+        <p:nvPicPr>
+          <p:cNvPr id="1026" name="Picture 2" descr="C:\Users\casa\Desktop\Personal Projects\courses online\IBM\Coursera_Capstone\images\darkness.png"/>
+          <p:cNvPicPr>
+            <a:picLocks noChangeAspect="1" noChangeArrowheads="1"/>
+          </p:cNvPicPr>
+          <p:nvPr/>
+        </p:nvPicPr>
+        <p:blipFill>
+          <a:blip r:embed="rId2"/>
+          <a:srcRect/>
+          <a:stretch>
+            <a:fillRect/>
+          </a:stretch>
+        </p:blipFill>
+        <p:spPr bwMode="auto">
+          <a:xfrm>
+            <a:off x="71406" y="3786190"/>
+            <a:ext cx="4500594" cy="3000396"/>
+          </a:xfrm>
+          <a:prstGeom prst="rect">
+            <a:avLst/>
+          </a:prstGeom>
+          <a:noFill/>
+        </p:spPr>
+      </p:pic>
+      <p:pic>
+        <p:nvPicPr>
+          <p:cNvPr id="1027" name="Picture 3" descr="C:\Users\casa\Desktop\Personal Projects\courses online\IBM\Coursera_Capstone\images\location.png"/>
+          <p:cNvPicPr>
+            <a:picLocks noChangeAspect="1" noChangeArrowheads="1"/>
+          </p:cNvPicPr>
+          <p:nvPr/>
+        </p:nvPicPr>
+        <p:blipFill>
+          <a:blip r:embed="rId3"/>
+          <a:srcRect/>
+          <a:stretch>
+            <a:fillRect/>
+          </a:stretch>
+        </p:blipFill>
+        <p:spPr bwMode="auto">
+          <a:xfrm>
+            <a:off x="4429124" y="714356"/>
+            <a:ext cx="4500594" cy="3000396"/>
+          </a:xfrm>
+          <a:prstGeom prst="rect">
+            <a:avLst/>
+          </a:prstGeom>
+          <a:noFill/>
+        </p:spPr>
+      </p:pic>
+      <p:pic>
+        <p:nvPicPr>
+          <p:cNvPr id="1028" name="Picture 4" descr="C:\Users\casa\Desktop\Personal Projects\courses online\IBM\Coursera_Capstone\images\Weather.png"/>
+          <p:cNvPicPr>
+            <a:picLocks noChangeAspect="1" noChangeArrowheads="1"/>
+          </p:cNvPicPr>
+          <p:nvPr/>
+        </p:nvPicPr>
+        <p:blipFill>
+          <a:blip r:embed="rId4"/>
+          <a:srcRect/>
+          <a:stretch>
+            <a:fillRect/>
+          </a:stretch>
+        </p:blipFill>
+        <p:spPr bwMode="auto">
+          <a:xfrm>
+            <a:off x="4429124" y="3667127"/>
+            <a:ext cx="4572032" cy="3048021"/>
+          </a:xfrm>
+          <a:prstGeom prst="rect">
+            <a:avLst/>
+          </a:prstGeom>
+          <a:noFill/>
+        </p:spPr>
+      </p:pic>
+      <p:sp>
+        <p:nvSpPr>
+          <p:cNvPr id="7" name="6 CuadroTexto"/>
+          <p:cNvSpPr txBox="1"/>
+          <p:nvPr/>
+        </p:nvSpPr>
+        <p:spPr>
+          <a:xfrm>
+            <a:off x="500034" y="2357430"/>
+            <a:ext cx="3857652" cy="461665"/>
+          </a:xfrm>
+          <a:prstGeom prst="rect">
+            <a:avLst/>
+          </a:prstGeom>
+          <a:noFill/>
+        </p:spPr>
+        <p:txBody>
+          <a:bodyPr wrap="square" rtlCol="0">
+            <a:spAutoFit/>
+          </a:bodyPr>
+          <a:lstStyle/>
+          <a:p>
+            <a:r>
+              <a:rPr lang="en-US" sz="2400" dirty="0" smtClean="0"/>
+              <a:t>Categorical variables:</a:t>
+            </a:r>
+            <a:endParaRPr lang="es-CR" sz="2400" dirty="0"/>
           </a:p>
         </p:txBody>
       </p:sp>
@@ -4414,7 +4608,54 @@
           <a:bodyPr/>
           <a:lstStyle/>
           <a:p>
-            <a:endParaRPr lang="es-CR"/>
+            <a:endParaRPr lang="en-US" dirty="0" smtClean="0"/>
+          </a:p>
+          <a:p>
+            <a:endParaRPr lang="en-US" dirty="0" smtClean="0"/>
+          </a:p>
+          <a:p>
+            <a:r>
+              <a:rPr lang="en-US" dirty="0" smtClean="0"/>
+              <a:t>K-Nearest Neighbors</a:t>
+            </a:r>
+            <a:r>
+              <a:rPr lang="en-US" dirty="0" smtClean="0"/>
+              <a:t> </a:t>
+            </a:r>
+            <a:r>
+              <a:rPr lang="en-US" dirty="0" smtClean="0"/>
+              <a:t>algorithm with a </a:t>
+            </a:r>
+            <a:r>
+              <a:rPr lang="en-US" dirty="0" smtClean="0"/>
+              <a:t>"k= </a:t>
+            </a:r>
+            <a:r>
+              <a:rPr lang="en-US" dirty="0" smtClean="0"/>
+              <a:t>4“.</a:t>
+            </a:r>
+          </a:p>
+          <a:p>
+            <a:endParaRPr lang="en-US" dirty="0" smtClean="0"/>
+          </a:p>
+          <a:p>
+            <a:r>
+              <a:rPr lang="en-US" dirty="0" smtClean="0"/>
+              <a:t>Decision Tree </a:t>
+            </a:r>
+            <a:r>
+              <a:rPr lang="en-US" dirty="0" smtClean="0"/>
+              <a:t>algorithm with an "8 </a:t>
+            </a:r>
+            <a:r>
+              <a:rPr lang="en-US" dirty="0" smtClean="0"/>
+              <a:t>depth" level</a:t>
+            </a:r>
+            <a:r>
+              <a:rPr lang="en-US" dirty="0" smtClean="0"/>
+              <a:t> </a:t>
+            </a:r>
+            <a:endParaRPr lang="es-CR" dirty="0"/>
           </a:p>
         </p:txBody>
       </p:sp>
@@ -4466,25 +4707,426 @@
           </a:p>
         </p:txBody>
       </p:sp>
-      <p:sp>
-        <p:nvSpPr>
-          <p:cNvPr id="3" name="2 Marcador de contenido"/>
-          <p:cNvSpPr>
-            <a:spLocks noGrp="1"/>
-          </p:cNvSpPr>
+      <p:graphicFrame>
+        <p:nvGraphicFramePr>
+          <p:cNvPr id="8" name="7 Marcador de contenido"/>
+          <p:cNvGraphicFramePr>
+            <a:graphicFrameLocks noGrp="1"/>
+          </p:cNvGraphicFramePr>
           <p:nvPr>
             <p:ph idx="1"/>
           </p:nvPr>
-        </p:nvSpPr>
-        <p:spPr/>
-        <p:txBody>
-          <a:bodyPr/>
-          <a:lstStyle/>
-          <a:p>
-            <a:endParaRPr lang="es-CR"/>
-          </a:p>
-        </p:txBody>
-      </p:sp>
+        </p:nvGraphicFramePr>
+        <p:xfrm>
+          <a:off x="142843" y="2714620"/>
+          <a:ext cx="8858313" cy="1857912"/>
+        </p:xfrm>
+        <a:graphic>
+          <a:graphicData uri="http://schemas.openxmlformats.org/drawingml/2006/table">
+            <a:tbl>
+              <a:tblPr firstRow="1" bandRow="1">
+                <a:tableStyleId>{93296810-A885-4BE3-A3E7-6D5BEEA58F35}</a:tableStyleId>
+              </a:tblPr>
+              <a:tblGrid>
+                <a:gridCol w="1311268"/>
+                <a:gridCol w="2695383"/>
+                <a:gridCol w="2476838"/>
+                <a:gridCol w="2374824"/>
+              </a:tblGrid>
+              <a:tr h="500066">
+                <a:tc>
+                  <a:txBody>
+                    <a:bodyPr/>
+                    <a:lstStyle/>
+                    <a:p>
+                      <a:pPr algn="ctr">
+                        <a:lnSpc>
+                          <a:spcPct val="115000"/>
+                        </a:lnSpc>
+                        <a:spcAft>
+                          <a:spcPts val="0"/>
+                        </a:spcAft>
+                      </a:pPr>
+                      <a:r>
+                        <a:rPr lang="en-US" sz="1800" b="1" i="1" dirty="0">
+                          <a:latin typeface="Arial" pitchFamily="34" charset="0"/>
+                          <a:cs typeface="Arial" pitchFamily="34" charset="0"/>
+                        </a:rPr>
+                        <a:t>Algorithm</a:t>
+                      </a:r>
+                      <a:endParaRPr lang="es-CR" sz="1800" b="1" i="1" dirty="0">
+                        <a:solidFill>
+                          <a:srgbClr val="365F91"/>
+                        </a:solidFill>
+                        <a:latin typeface="Arial" pitchFamily="34" charset="0"/>
+                        <a:ea typeface="Times New Roman"/>
+                        <a:cs typeface="Arial" pitchFamily="34" charset="0"/>
+                      </a:endParaRPr>
+                    </a:p>
+                  </a:txBody>
+                  <a:tcPr marL="68580" marR="68580" marT="0" marB="0"/>
+                </a:tc>
+                <a:tc>
+                  <a:txBody>
+                    <a:bodyPr/>
+                    <a:lstStyle/>
+                    <a:p>
+                      <a:pPr algn="ctr">
+                        <a:lnSpc>
+                          <a:spcPct val="115000"/>
+                        </a:lnSpc>
+                        <a:spcAft>
+                          <a:spcPts val="0"/>
+                        </a:spcAft>
+                      </a:pPr>
+                      <a:r>
+                        <a:rPr lang="en-US" sz="1800" b="1" i="1" dirty="0">
+                          <a:latin typeface="Arial" pitchFamily="34" charset="0"/>
+                          <a:cs typeface="Arial" pitchFamily="34" charset="0"/>
+                        </a:rPr>
+                        <a:t>Accuracy</a:t>
+                      </a:r>
+                      <a:endParaRPr lang="es-CR" sz="1800" b="1" i="1" dirty="0">
+                        <a:solidFill>
+                          <a:srgbClr val="365F91"/>
+                        </a:solidFill>
+                        <a:latin typeface="Arial" pitchFamily="34" charset="0"/>
+                        <a:ea typeface="Times New Roman"/>
+                        <a:cs typeface="Arial" pitchFamily="34" charset="0"/>
+                      </a:endParaRPr>
+                    </a:p>
+                  </a:txBody>
+                  <a:tcPr marL="68580" marR="68580" marT="0" marB="0"/>
+                </a:tc>
+                <a:tc>
+                  <a:txBody>
+                    <a:bodyPr/>
+                    <a:lstStyle/>
+                    <a:p>
+                      <a:pPr algn="ctr">
+                        <a:lnSpc>
+                          <a:spcPct val="115000"/>
+                        </a:lnSpc>
+                        <a:spcAft>
+                          <a:spcPts val="0"/>
+                        </a:spcAft>
+                      </a:pPr>
+                      <a:r>
+                        <a:rPr lang="en-US" sz="1800" b="1" i="1" dirty="0">
+                          <a:latin typeface="Arial" pitchFamily="34" charset="0"/>
+                          <a:cs typeface="Arial" pitchFamily="34" charset="0"/>
+                        </a:rPr>
+                        <a:t>F1-score</a:t>
+                      </a:r>
+                      <a:endParaRPr lang="es-CR" sz="1800" b="1" i="1" dirty="0">
+                        <a:solidFill>
+                          <a:srgbClr val="365F91"/>
+                        </a:solidFill>
+                        <a:latin typeface="Arial" pitchFamily="34" charset="0"/>
+                        <a:ea typeface="Times New Roman"/>
+                        <a:cs typeface="Arial" pitchFamily="34" charset="0"/>
+                      </a:endParaRPr>
+                    </a:p>
+                  </a:txBody>
+                  <a:tcPr marL="68580" marR="68580" marT="0" marB="0"/>
+                </a:tc>
+                <a:tc>
+                  <a:txBody>
+                    <a:bodyPr/>
+                    <a:lstStyle/>
+                    <a:p>
+                      <a:pPr algn="ctr">
+                        <a:lnSpc>
+                          <a:spcPct val="115000"/>
+                        </a:lnSpc>
+                        <a:spcAft>
+                          <a:spcPts val="0"/>
+                        </a:spcAft>
+                      </a:pPr>
+                      <a:r>
+                        <a:rPr lang="en-US" sz="1800" b="1" i="1" dirty="0" err="1">
+                          <a:latin typeface="Arial" pitchFamily="34" charset="0"/>
+                          <a:cs typeface="Arial" pitchFamily="34" charset="0"/>
+                        </a:rPr>
+                        <a:t>Jaccard</a:t>
+                      </a:r>
+                      <a:endParaRPr lang="es-CR" sz="1800" b="1" i="1" dirty="0">
+                        <a:solidFill>
+                          <a:srgbClr val="365F91"/>
+                        </a:solidFill>
+                        <a:latin typeface="Arial" pitchFamily="34" charset="0"/>
+                        <a:ea typeface="Times New Roman"/>
+                        <a:cs typeface="Arial" pitchFamily="34" charset="0"/>
+                      </a:endParaRPr>
+                    </a:p>
+                  </a:txBody>
+                  <a:tcPr marL="68580" marR="68580" marT="0" marB="0"/>
+                </a:tc>
+              </a:tr>
+              <a:tr h="678923">
+                <a:tc>
+                  <a:txBody>
+                    <a:bodyPr/>
+                    <a:lstStyle/>
+                    <a:p>
+                      <a:pPr algn="ctr">
+                        <a:lnSpc>
+                          <a:spcPct val="100000"/>
+                        </a:lnSpc>
+                        <a:spcAft>
+                          <a:spcPts val="0"/>
+                        </a:spcAft>
+                      </a:pPr>
+                      <a:r>
+                        <a:rPr lang="en-US" sz="1800" b="0" i="1" dirty="0">
+                          <a:latin typeface="Arial" pitchFamily="34" charset="0"/>
+                          <a:cs typeface="Arial" pitchFamily="34" charset="0"/>
+                        </a:rPr>
+                        <a:t>KNN</a:t>
+                      </a:r>
+                      <a:endParaRPr lang="es-CR" sz="1800" b="0" i="1" dirty="0">
+                        <a:solidFill>
+                          <a:srgbClr val="365F91"/>
+                        </a:solidFill>
+                        <a:latin typeface="Arial" pitchFamily="34" charset="0"/>
+                        <a:ea typeface="Times New Roman"/>
+                        <a:cs typeface="Arial" pitchFamily="34" charset="0"/>
+                      </a:endParaRPr>
+                    </a:p>
+                  </a:txBody>
+                  <a:tcPr marL="68580" marR="68580" marT="0" marB="0"/>
+                </a:tc>
+                <a:tc>
+                  <a:txBody>
+                    <a:bodyPr/>
+                    <a:lstStyle/>
+                    <a:p>
+                      <a:pPr algn="ctr">
+                        <a:lnSpc>
+                          <a:spcPct val="100000"/>
+                        </a:lnSpc>
+                        <a:spcAft>
+                          <a:spcPts val="0"/>
+                        </a:spcAft>
+                      </a:pPr>
+                      <a:r>
+                        <a:rPr lang="en-US" sz="1800" b="0" dirty="0">
+                          <a:latin typeface="Arial" pitchFamily="34" charset="0"/>
+                          <a:cs typeface="Arial" pitchFamily="34" charset="0"/>
+                        </a:rPr>
+                        <a:t>0.7440349300115577 </a:t>
+                      </a:r>
+                      <a:endParaRPr lang="es-CR" sz="1800" b="0" dirty="0">
+                        <a:solidFill>
+                          <a:srgbClr val="365F91"/>
+                        </a:solidFill>
+                        <a:latin typeface="Arial" pitchFamily="34" charset="0"/>
+                        <a:ea typeface="Times New Roman"/>
+                        <a:cs typeface="Arial" pitchFamily="34" charset="0"/>
+                      </a:endParaRPr>
+                    </a:p>
+                  </a:txBody>
+                  <a:tcPr marL="68580" marR="68580" marT="0" marB="0"/>
+                </a:tc>
+                <a:tc>
+                  <a:txBody>
+                    <a:bodyPr/>
+                    <a:lstStyle/>
+                    <a:p>
+                      <a:pPr algn="ctr">
+                        <a:lnSpc>
+                          <a:spcPct val="100000"/>
+                        </a:lnSpc>
+                        <a:spcAft>
+                          <a:spcPts val="0"/>
+                        </a:spcAft>
+                      </a:pPr>
+                      <a:r>
+                        <a:rPr lang="en-US" sz="1800" b="0" dirty="0">
+                          <a:latin typeface="Arial" pitchFamily="34" charset="0"/>
+                          <a:cs typeface="Arial" pitchFamily="34" charset="0"/>
+                        </a:rPr>
+                        <a:t>0.7440349300115578</a:t>
+                      </a:r>
+                      <a:endParaRPr lang="es-CR" sz="1800" b="0" dirty="0">
+                        <a:solidFill>
+                          <a:srgbClr val="365F91"/>
+                        </a:solidFill>
+                        <a:latin typeface="Arial" pitchFamily="34" charset="0"/>
+                        <a:ea typeface="Times New Roman"/>
+                        <a:cs typeface="Arial" pitchFamily="34" charset="0"/>
+                      </a:endParaRPr>
+                    </a:p>
+                  </a:txBody>
+                  <a:tcPr marL="68580" marR="68580" marT="0" marB="0"/>
+                </a:tc>
+                <a:tc>
+                  <a:txBody>
+                    <a:bodyPr/>
+                    <a:lstStyle/>
+                    <a:p>
+                      <a:pPr algn="ctr">
+                        <a:lnSpc>
+                          <a:spcPct val="100000"/>
+                        </a:lnSpc>
+                        <a:spcAft>
+                          <a:spcPts val="0"/>
+                        </a:spcAft>
+                      </a:pPr>
+                      <a:r>
+                        <a:rPr lang="en-US" sz="1800" b="0">
+                          <a:latin typeface="Arial" pitchFamily="34" charset="0"/>
+                          <a:cs typeface="Arial" pitchFamily="34" charset="0"/>
+                        </a:rPr>
+                        <a:t>0.7440349300115577</a:t>
+                      </a:r>
+                      <a:endParaRPr lang="es-CR" sz="1800" b="0">
+                        <a:solidFill>
+                          <a:srgbClr val="365F91"/>
+                        </a:solidFill>
+                        <a:latin typeface="Arial" pitchFamily="34" charset="0"/>
+                        <a:ea typeface="Times New Roman"/>
+                        <a:cs typeface="Arial" pitchFamily="34" charset="0"/>
+                      </a:endParaRPr>
+                    </a:p>
+                  </a:txBody>
+                  <a:tcPr marL="68580" marR="68580" marT="0" marB="0"/>
+                </a:tc>
+              </a:tr>
+              <a:tr h="678923">
+                <a:tc>
+                  <a:txBody>
+                    <a:bodyPr/>
+                    <a:lstStyle/>
+                    <a:p>
+                      <a:pPr algn="ctr">
+                        <a:lnSpc>
+                          <a:spcPct val="100000"/>
+                        </a:lnSpc>
+                        <a:spcAft>
+                          <a:spcPts val="0"/>
+                        </a:spcAft>
+                      </a:pPr>
+                      <a:r>
+                        <a:rPr lang="en-US" sz="1800" b="0" i="1" dirty="0">
+                          <a:latin typeface="Arial" pitchFamily="34" charset="0"/>
+                          <a:cs typeface="Arial" pitchFamily="34" charset="0"/>
+                        </a:rPr>
+                        <a:t>D-Tree</a:t>
+                      </a:r>
+                      <a:endParaRPr lang="es-CR" sz="1800" b="0" i="1" dirty="0">
+                        <a:solidFill>
+                          <a:srgbClr val="365F91"/>
+                        </a:solidFill>
+                        <a:latin typeface="Arial" pitchFamily="34" charset="0"/>
+                        <a:ea typeface="Times New Roman"/>
+                        <a:cs typeface="Arial" pitchFamily="34" charset="0"/>
+                      </a:endParaRPr>
+                    </a:p>
+                  </a:txBody>
+                  <a:tcPr marL="68580" marR="68580" marT="0" marB="0"/>
+                </a:tc>
+                <a:tc>
+                  <a:txBody>
+                    <a:bodyPr/>
+                    <a:lstStyle/>
+                    <a:p>
+                      <a:pPr algn="ctr">
+                        <a:lnSpc>
+                          <a:spcPct val="100000"/>
+                        </a:lnSpc>
+                        <a:spcAft>
+                          <a:spcPts val="0"/>
+                        </a:spcAft>
+                      </a:pPr>
+                      <a:r>
+                        <a:rPr lang="en-US" sz="1800" b="0">
+                          <a:latin typeface="Arial" pitchFamily="34" charset="0"/>
+                          <a:cs typeface="Arial" pitchFamily="34" charset="0"/>
+                        </a:rPr>
+                        <a:t>0.7532554257095159 </a:t>
+                      </a:r>
+                      <a:endParaRPr lang="es-CR" sz="1800" b="0">
+                        <a:solidFill>
+                          <a:srgbClr val="365F91"/>
+                        </a:solidFill>
+                        <a:latin typeface="Arial" pitchFamily="34" charset="0"/>
+                        <a:ea typeface="Times New Roman"/>
+                        <a:cs typeface="Arial" pitchFamily="34" charset="0"/>
+                      </a:endParaRPr>
+                    </a:p>
+                  </a:txBody>
+                  <a:tcPr marL="68580" marR="68580" marT="0" marB="0"/>
+                </a:tc>
+                <a:tc>
+                  <a:txBody>
+                    <a:bodyPr/>
+                    <a:lstStyle/>
+                    <a:p>
+                      <a:pPr algn="ctr">
+                        <a:lnSpc>
+                          <a:spcPct val="100000"/>
+                        </a:lnSpc>
+                        <a:spcAft>
+                          <a:spcPts val="0"/>
+                        </a:spcAft>
+                      </a:pPr>
+                      <a:r>
+                        <a:rPr lang="en-US" sz="1800" b="0" dirty="0">
+                          <a:latin typeface="Arial" pitchFamily="34" charset="0"/>
+                          <a:cs typeface="Arial" pitchFamily="34" charset="0"/>
+                        </a:rPr>
+                        <a:t>0.7532554257095159</a:t>
+                      </a:r>
+                      <a:endParaRPr lang="es-CR" sz="1800" b="0" dirty="0">
+                        <a:solidFill>
+                          <a:srgbClr val="365F91"/>
+                        </a:solidFill>
+                        <a:latin typeface="Arial" pitchFamily="34" charset="0"/>
+                        <a:ea typeface="Times New Roman"/>
+                        <a:cs typeface="Arial" pitchFamily="34" charset="0"/>
+                      </a:endParaRPr>
+                    </a:p>
+                  </a:txBody>
+                  <a:tcPr marL="68580" marR="68580" marT="0" marB="0"/>
+                </a:tc>
+                <a:tc>
+                  <a:txBody>
+                    <a:bodyPr/>
+                    <a:lstStyle/>
+                    <a:p>
+                      <a:pPr algn="ctr">
+                        <a:lnSpc>
+                          <a:spcPct val="100000"/>
+                        </a:lnSpc>
+                        <a:spcAft>
+                          <a:spcPts val="0"/>
+                        </a:spcAft>
+                      </a:pPr>
+                      <a:r>
+                        <a:rPr lang="en-US" sz="1800" b="0" dirty="0">
+                          <a:latin typeface="Arial" pitchFamily="34" charset="0"/>
+                          <a:cs typeface="Arial" pitchFamily="34" charset="0"/>
+                        </a:rPr>
+                        <a:t>0.7532554257095159</a:t>
+                      </a:r>
+                      <a:endParaRPr lang="es-CR" sz="1800" b="0" dirty="0">
+                        <a:solidFill>
+                          <a:srgbClr val="365F91"/>
+                        </a:solidFill>
+                        <a:latin typeface="Arial" pitchFamily="34" charset="0"/>
+                        <a:ea typeface="Times New Roman"/>
+                        <a:cs typeface="Arial" pitchFamily="34" charset="0"/>
+                      </a:endParaRPr>
+                    </a:p>
+                  </a:txBody>
+                  <a:tcPr marL="68580" marR="68580" marT="0" marB="0"/>
+                </a:tc>
+              </a:tr>
+            </a:tbl>
+          </a:graphicData>
+        </a:graphic>
+      </p:graphicFrame>
     </p:spTree>
   </p:cSld>
   <p:clrMapOvr>
@@ -4543,12 +5185,78 @@
             <p:ph idx="1"/>
           </p:nvPr>
         </p:nvSpPr>
-        <p:spPr/>
-        <p:txBody>
-          <a:bodyPr/>
-          <a:lstStyle/>
-          <a:p>
-            <a:endParaRPr lang="es-CR"/>
+        <p:spPr>
+          <a:xfrm>
+            <a:off x="457200" y="2571744"/>
+            <a:ext cx="8229600" cy="4002792"/>
+          </a:xfrm>
+        </p:spPr>
+        <p:txBody>
+          <a:bodyPr>
+            <a:normAutofit/>
+          </a:bodyPr>
+          <a:lstStyle/>
+          <a:p>
+            <a:r>
+              <a:rPr lang="en-US" dirty="0" smtClean="0"/>
+              <a:t>The intersections </a:t>
+            </a:r>
+            <a:r>
+              <a:rPr lang="en-US" dirty="0" smtClean="0"/>
+              <a:t>are </a:t>
+            </a:r>
+            <a:r>
+              <a:rPr lang="en-US" dirty="0" smtClean="0"/>
+              <a:t>the most </a:t>
+            </a:r>
+            <a:r>
+              <a:rPr lang="en-US" dirty="0" smtClean="0"/>
+              <a:t>dangerous. </a:t>
+            </a:r>
+          </a:p>
+          <a:p>
+            <a:endParaRPr lang="es-CR" dirty="0" smtClean="0"/>
+          </a:p>
+          <a:p>
+            <a:r>
+              <a:rPr lang="en-US" dirty="0" smtClean="0"/>
+              <a:t>The </a:t>
+            </a:r>
+            <a:r>
+              <a:rPr lang="en-US" dirty="0" smtClean="0"/>
+              <a:t>Decision Tree has 75% prediction accuracy.</a:t>
+            </a:r>
+          </a:p>
+          <a:p>
+            <a:endParaRPr lang="en-US" dirty="0" smtClean="0"/>
+          </a:p>
+          <a:p>
+            <a:r>
+              <a:rPr lang="en-US" dirty="0" smtClean="0"/>
+              <a:t>Help </a:t>
+            </a:r>
+            <a:r>
+              <a:rPr lang="en-US" dirty="0" smtClean="0"/>
+              <a:t>to the transit </a:t>
+            </a:r>
+            <a:r>
+              <a:rPr lang="en-US" dirty="0" smtClean="0"/>
+              <a:t>police.</a:t>
+            </a:r>
+          </a:p>
+          <a:p>
+            <a:endParaRPr lang="en-US" dirty="0" smtClean="0"/>
+          </a:p>
+          <a:p>
+            <a:r>
+              <a:rPr lang="en-US" dirty="0" smtClean="0"/>
+              <a:t>G</a:t>
+            </a:r>
+            <a:r>
+              <a:rPr lang="en-US" dirty="0" smtClean="0"/>
+              <a:t>uide to future researches.</a:t>
+            </a:r>
+            <a:endParaRPr lang="es-CR" dirty="0"/>
           </a:p>
         </p:txBody>
       </p:sp>
